--- a/usecases/用户需求建模.pptx
+++ b/usecases/用户需求建模.pptx
@@ -17,8 +17,10 @@
     <p:sldId id="266" r:id="rId11"/>
     <p:sldId id="267" r:id="rId12"/>
     <p:sldId id="268" r:id="rId13"/>
-    <p:sldId id="260" r:id="rId14"/>
-    <p:sldId id="269" r:id="rId15"/>
+    <p:sldId id="270" r:id="rId14"/>
+    <p:sldId id="271" r:id="rId15"/>
+    <p:sldId id="260" r:id="rId16"/>
+    <p:sldId id="269" r:id="rId17"/>
   </p:sldIdLst>
   <p:sldSz cx="12192000" cy="6858000"/>
   <p:notesSz cx="6858000" cy="9144000"/>
@@ -117,6 +119,11 @@
       </a:defRPr>
     </a:lvl9pPr>
   </p:defaultTextStyle>
+  <p:extLst>
+    <p:ext uri="{EFAFB233-063F-42B5-8137-9DF3F51BA10A}">
+      <p15:sldGuideLst xmlns:p15="http://schemas.microsoft.com/office/powerpoint/2012/main"/>
+    </p:ext>
+  </p:extLst>
 </p:presentation>
 </file>
 
@@ -6362,6 +6369,288 @@
           <a:lstStyle/>
           <a:p>
             <a:r>
+              <a:rPr lang="zh-CN" altLang="en-US" dirty="0" smtClean="0"/>
+              <a:t>部分主要用例流程图</a:t>
+            </a:r>
+            <a:endParaRPr lang="zh-CN" altLang="en-US" dirty="0"/>
+          </a:p>
+        </p:txBody>
+      </p:sp>
+      <p:sp>
+        <p:nvSpPr>
+          <p:cNvPr id="3" name="内容占位符 2"/>
+          <p:cNvSpPr>
+            <a:spLocks noGrp="1"/>
+          </p:cNvSpPr>
+          <p:nvPr>
+            <p:ph idx="1"/>
+          </p:nvPr>
+        </p:nvSpPr>
+        <p:spPr>
+          <a:xfrm>
+            <a:off x="677334" y="1603997"/>
+            <a:ext cx="8596668" cy="3880773"/>
+          </a:xfrm>
+        </p:spPr>
+        <p:txBody>
+          <a:bodyPr/>
+          <a:lstStyle/>
+          <a:p>
+            <a:r>
+              <a:rPr lang="en-US" altLang="zh-CN" dirty="0"/>
+              <a:t>D</a:t>
+            </a:r>
+            <a:r>
+              <a:rPr lang="en-US" altLang="zh-CN" dirty="0" smtClean="0"/>
+              <a:t>02 </a:t>
+            </a:r>
+            <a:r>
+              <a:rPr lang="zh-CN" altLang="en-US" dirty="0" smtClean="0"/>
+              <a:t>审核专家申请</a:t>
+            </a:r>
+            <a:endParaRPr lang="zh-CN" altLang="en-US" dirty="0"/>
+          </a:p>
+        </p:txBody>
+      </p:sp>
+      <p:pic>
+        <p:nvPicPr>
+          <p:cNvPr id="1026" name="图片 1"/>
+          <p:cNvPicPr>
+            <a:picLocks noChangeAspect="1" noChangeArrowheads="1"/>
+          </p:cNvPicPr>
+          <p:nvPr/>
+        </p:nvPicPr>
+        <p:blipFill>
+          <a:blip r:embed="rId2">
+            <a:extLst>
+              <a:ext uri="{28A0092B-C50C-407E-A947-70E740481C1C}">
+                <a14:useLocalDpi xmlns:a14="http://schemas.microsoft.com/office/drawing/2010/main" val="0"/>
+              </a:ext>
+            </a:extLst>
+          </a:blip>
+          <a:srcRect/>
+          <a:stretch>
+            <a:fillRect/>
+          </a:stretch>
+        </p:blipFill>
+        <p:spPr bwMode="auto">
+          <a:xfrm>
+            <a:off x="959138" y="2058482"/>
+            <a:ext cx="8314863" cy="4271521"/>
+          </a:xfrm>
+          <a:prstGeom prst="rect">
+            <a:avLst/>
+          </a:prstGeom>
+          <a:noFill/>
+          <a:ln>
+            <a:noFill/>
+          </a:ln>
+          <a:extLst>
+            <a:ext uri="{909E8E84-426E-40DD-AFC4-6F175D3DCCD1}">
+              <a14:hiddenFill xmlns:a14="http://schemas.microsoft.com/office/drawing/2010/main">
+                <a:solidFill>
+                  <a:srgbClr val="FFFFFF"/>
+                </a:solidFill>
+              </a14:hiddenFill>
+            </a:ext>
+            <a:ext uri="{91240B29-F687-4F45-9708-019B960494DF}">
+              <a14:hiddenLine xmlns:a14="http://schemas.microsoft.com/office/drawing/2010/main" w="9525">
+                <a:solidFill>
+                  <a:srgbClr val="000000"/>
+                </a:solidFill>
+                <a:miter lim="800000"/>
+                <a:headEnd/>
+                <a:tailEnd/>
+              </a14:hiddenLine>
+            </a:ext>
+          </a:extLst>
+        </p:spPr>
+      </p:pic>
+    </p:spTree>
+    <p:extLst>
+      <p:ext uri="{BB962C8B-B14F-4D97-AF65-F5344CB8AC3E}">
+        <p14:creationId xmlns:p14="http://schemas.microsoft.com/office/powerpoint/2010/main" val="1008934661"/>
+      </p:ext>
+    </p:extLst>
+  </p:cSld>
+  <p:clrMapOvr>
+    <a:masterClrMapping/>
+  </p:clrMapOvr>
+</p:sld>
+</file>
+
+<file path=ppt/slides/slide14.xml><?xml version="1.0" encoding="utf-8"?>
+<p:sld xmlns:a="http://schemas.openxmlformats.org/drawingml/2006/main" xmlns:r="http://schemas.openxmlformats.org/officeDocument/2006/relationships" xmlns:p="http://schemas.openxmlformats.org/presentationml/2006/main">
+  <p:cSld>
+    <p:spTree>
+      <p:nvGrpSpPr>
+        <p:cNvPr id="1" name=""/>
+        <p:cNvGrpSpPr/>
+        <p:nvPr/>
+      </p:nvGrpSpPr>
+      <p:grpSpPr>
+        <a:xfrm>
+          <a:off x="0" y="0"/>
+          <a:ext cx="0" cy="0"/>
+          <a:chOff x="0" y="0"/>
+          <a:chExt cx="0" cy="0"/>
+        </a:xfrm>
+      </p:grpSpPr>
+      <p:sp>
+        <p:nvSpPr>
+          <p:cNvPr id="2" name="标题 1"/>
+          <p:cNvSpPr>
+            <a:spLocks noGrp="1"/>
+          </p:cNvSpPr>
+          <p:nvPr>
+            <p:ph type="title"/>
+          </p:nvPr>
+        </p:nvSpPr>
+        <p:spPr/>
+        <p:txBody>
+          <a:bodyPr/>
+          <a:lstStyle/>
+          <a:p>
+            <a:r>
+              <a:rPr lang="zh-CN" altLang="en-US" dirty="0" smtClean="0"/>
+              <a:t>部分主要用例流程图</a:t>
+            </a:r>
+            <a:endParaRPr lang="zh-CN" altLang="en-US" dirty="0"/>
+          </a:p>
+        </p:txBody>
+      </p:sp>
+      <p:sp>
+        <p:nvSpPr>
+          <p:cNvPr id="3" name="内容占位符 2"/>
+          <p:cNvSpPr>
+            <a:spLocks noGrp="1"/>
+          </p:cNvSpPr>
+          <p:nvPr>
+            <p:ph idx="1"/>
+          </p:nvPr>
+        </p:nvSpPr>
+        <p:spPr>
+          <a:xfrm>
+            <a:off x="677334" y="1603997"/>
+            <a:ext cx="8596668" cy="3880773"/>
+          </a:xfrm>
+        </p:spPr>
+        <p:txBody>
+          <a:bodyPr/>
+          <a:lstStyle/>
+          <a:p>
+            <a:r>
+              <a:rPr lang="en-US" altLang="zh-CN" dirty="0" smtClean="0"/>
+              <a:t>D03 </a:t>
+            </a:r>
+            <a:r>
+              <a:rPr lang="zh-CN" altLang="en-US" dirty="0" smtClean="0"/>
+              <a:t>审核科技成果</a:t>
+            </a:r>
+            <a:endParaRPr lang="zh-CN" altLang="en-US" dirty="0"/>
+          </a:p>
+        </p:txBody>
+      </p:sp>
+      <p:pic>
+        <p:nvPicPr>
+          <p:cNvPr id="2050" name="图片 1"/>
+          <p:cNvPicPr>
+            <a:picLocks noChangeAspect="1" noChangeArrowheads="1"/>
+          </p:cNvPicPr>
+          <p:nvPr/>
+        </p:nvPicPr>
+        <p:blipFill>
+          <a:blip r:embed="rId2">
+            <a:extLst>
+              <a:ext uri="{28A0092B-C50C-407E-A947-70E740481C1C}">
+                <a14:useLocalDpi xmlns:a14="http://schemas.microsoft.com/office/drawing/2010/main" val="0"/>
+              </a:ext>
+            </a:extLst>
+          </a:blip>
+          <a:srcRect/>
+          <a:stretch>
+            <a:fillRect/>
+          </a:stretch>
+        </p:blipFill>
+        <p:spPr bwMode="auto">
+          <a:xfrm>
+            <a:off x="851072" y="2095781"/>
+            <a:ext cx="8253171" cy="4267007"/>
+          </a:xfrm>
+          <a:prstGeom prst="rect">
+            <a:avLst/>
+          </a:prstGeom>
+          <a:noFill/>
+          <a:ln>
+            <a:noFill/>
+          </a:ln>
+          <a:extLst>
+            <a:ext uri="{909E8E84-426E-40DD-AFC4-6F175D3DCCD1}">
+              <a14:hiddenFill xmlns:a14="http://schemas.microsoft.com/office/drawing/2010/main">
+                <a:solidFill>
+                  <a:srgbClr val="FFFFFF"/>
+                </a:solidFill>
+              </a14:hiddenFill>
+            </a:ext>
+            <a:ext uri="{91240B29-F687-4F45-9708-019B960494DF}">
+              <a14:hiddenLine xmlns:a14="http://schemas.microsoft.com/office/drawing/2010/main" w="9525">
+                <a:solidFill>
+                  <a:srgbClr val="000000"/>
+                </a:solidFill>
+                <a:miter lim="800000"/>
+                <a:headEnd/>
+                <a:tailEnd/>
+              </a14:hiddenLine>
+            </a:ext>
+          </a:extLst>
+        </p:spPr>
+      </p:pic>
+    </p:spTree>
+    <p:extLst>
+      <p:ext uri="{BB962C8B-B14F-4D97-AF65-F5344CB8AC3E}">
+        <p14:creationId xmlns:p14="http://schemas.microsoft.com/office/powerpoint/2010/main" val="2863573614"/>
+      </p:ext>
+    </p:extLst>
+  </p:cSld>
+  <p:clrMapOvr>
+    <a:masterClrMapping/>
+  </p:clrMapOvr>
+</p:sld>
+</file>
+
+<file path=ppt/slides/slide15.xml><?xml version="1.0" encoding="utf-8"?>
+<p:sld xmlns:a="http://schemas.openxmlformats.org/drawingml/2006/main" xmlns:r="http://schemas.openxmlformats.org/officeDocument/2006/relationships" xmlns:p="http://schemas.openxmlformats.org/presentationml/2006/main">
+  <p:cSld>
+    <p:spTree>
+      <p:nvGrpSpPr>
+        <p:cNvPr id="1" name=""/>
+        <p:cNvGrpSpPr/>
+        <p:nvPr/>
+      </p:nvGrpSpPr>
+      <p:grpSpPr>
+        <a:xfrm>
+          <a:off x="0" y="0"/>
+          <a:ext cx="0" cy="0"/>
+          <a:chOff x="0" y="0"/>
+          <a:chExt cx="0" cy="0"/>
+        </a:xfrm>
+      </p:grpSpPr>
+      <p:sp>
+        <p:nvSpPr>
+          <p:cNvPr id="2" name="标题 1"/>
+          <p:cNvSpPr>
+            <a:spLocks noGrp="1"/>
+          </p:cNvSpPr>
+          <p:nvPr>
+            <p:ph type="title"/>
+          </p:nvPr>
+        </p:nvSpPr>
+        <p:spPr/>
+        <p:txBody>
+          <a:bodyPr/>
+          <a:lstStyle/>
+          <a:p>
+            <a:r>
               <a:rPr lang="zh-CN" altLang="en-US" dirty="0"/>
               <a:t>非</a:t>
             </a:r>
@@ -6500,7 +6789,7 @@
 </p:sld>
 </file>
 
-<file path=ppt/slides/slide14.xml><?xml version="1.0" encoding="utf-8"?>
+<file path=ppt/slides/slide16.xml><?xml version="1.0" encoding="utf-8"?>
 <p:sld xmlns:a="http://schemas.openxmlformats.org/drawingml/2006/main" xmlns:r="http://schemas.openxmlformats.org/officeDocument/2006/relationships" xmlns:p="http://schemas.openxmlformats.org/presentationml/2006/main">
   <p:cSld>
     <p:spTree>
@@ -7593,7 +7882,7 @@
       </p:sp>
       <p:pic>
         <p:nvPicPr>
-          <p:cNvPr id="6146" name="图片 3"/>
+          <p:cNvPr id="3074" name="图片 11"/>
           <p:cNvPicPr>
             <a:picLocks noChangeAspect="1" noChangeArrowheads="1"/>
           </p:cNvPicPr>
@@ -7614,8 +7903,8 @@
         </p:blipFill>
         <p:spPr bwMode="auto">
           <a:xfrm>
-            <a:off x="972172" y="2126745"/>
-            <a:ext cx="8522952" cy="4194542"/>
+            <a:off x="1890164" y="2157760"/>
+            <a:ext cx="6431654" cy="4143287"/>
           </a:xfrm>
           <a:prstGeom prst="rect">
             <a:avLst/>
